--- a/presentation.pptx
+++ b/presentation.pptx
@@ -18,16 +18,17 @@
     <p:sldId id="266" r:id="rId12"/>
     <p:sldId id="267" r:id="rId13"/>
     <p:sldId id="268" r:id="rId14"/>
-    <p:sldId id="270" r:id="rId15"/>
-    <p:sldId id="271" r:id="rId16"/>
-    <p:sldId id="272" r:id="rId17"/>
-    <p:sldId id="274" r:id="rId18"/>
-    <p:sldId id="275" r:id="rId19"/>
-    <p:sldId id="276" r:id="rId20"/>
-    <p:sldId id="277" r:id="rId21"/>
-    <p:sldId id="280" r:id="rId22"/>
-    <p:sldId id="282" r:id="rId23"/>
-    <p:sldId id="285" r:id="rId24"/>
+    <p:sldId id="286" r:id="rId15"/>
+    <p:sldId id="270" r:id="rId16"/>
+    <p:sldId id="271" r:id="rId17"/>
+    <p:sldId id="272" r:id="rId18"/>
+    <p:sldId id="274" r:id="rId19"/>
+    <p:sldId id="275" r:id="rId20"/>
+    <p:sldId id="276" r:id="rId21"/>
+    <p:sldId id="277" r:id="rId22"/>
+    <p:sldId id="280" r:id="rId23"/>
+    <p:sldId id="282" r:id="rId24"/>
+    <p:sldId id="285" r:id="rId25"/>
   </p:sldIdLst>
   <p:sldSz cx="12192000" cy="6858000"/>
   <p:notesSz cx="6858000" cy="9144000"/>
@@ -126,6 +127,11 @@
       </a:defRPr>
     </a:lvl9pPr>
   </p:defaultTextStyle>
+  <p:extLst>
+    <p:ext uri="{EFAFB233-063F-42B5-8137-9DF3F51BA10A}">
+      <p15:sldGuideLst xmlns:p15="http://schemas.microsoft.com/office/powerpoint/2012/main"/>
+    </p:ext>
+  </p:extLst>
 </p:presentation>
 </file>
 
@@ -8079,7 +8085,7 @@
         </p:blipFill>
         <p:spPr>
           <a:xfrm>
-            <a:off x="680321" y="2296319"/>
+            <a:off x="977066" y="2893219"/>
             <a:ext cx="9020369" cy="1246981"/>
           </a:xfrm>
           <a:prstGeom prst="rect">
@@ -8096,7 +8102,7 @@
         <p:spPr>
           <a:xfrm>
             <a:off x="1066800" y="4609861"/>
-            <a:ext cx="1981200" cy="1384995"/>
+            <a:ext cx="1981200" cy="1015663"/>
           </a:xfrm>
           <a:prstGeom prst="rect">
             <a:avLst/>
@@ -8108,61 +8114,6 @@
           </a:bodyPr>
           <a:lstStyle/>
           <a:p>
-            <a:r>
-              <a:rPr lang="en-US" dirty="0" err="1">
-                <a:solidFill>
-                  <a:schemeClr val="bg1"/>
-                </a:solidFill>
-              </a:rPr>
-              <a:t>git</a:t>
-            </a:r>
-            <a:r>
-              <a:rPr lang="en-US" dirty="0">
-                <a:solidFill>
-                  <a:schemeClr val="bg1"/>
-                </a:solidFill>
-              </a:rPr>
-              <a:t> </a:t>
-            </a:r>
-            <a:r>
-              <a:rPr lang="en-US" dirty="0" err="1" smtClean="0">
-                <a:solidFill>
-                  <a:schemeClr val="bg1"/>
-                </a:solidFill>
-              </a:rPr>
-              <a:t>init</a:t>
-            </a:r>
-            <a:r>
-              <a:rPr lang="en-US" dirty="0">
-                <a:solidFill>
-                  <a:schemeClr val="bg1"/>
-                </a:solidFill>
-              </a:rPr>
-              <a:t/>
-            </a:r>
-            <a:br>
-              <a:rPr lang="en-US" dirty="0">
-                <a:solidFill>
-                  <a:schemeClr val="bg1"/>
-                </a:solidFill>
-              </a:rPr>
-            </a:br>
-            <a:r>
-              <a:rPr lang="en-US" dirty="0" err="1">
-                <a:solidFill>
-                  <a:schemeClr val="bg1"/>
-                </a:solidFill>
-              </a:rPr>
-              <a:t>git</a:t>
-            </a:r>
-            <a:r>
-              <a:rPr lang="en-US" dirty="0">
-                <a:solidFill>
-                  <a:schemeClr val="bg1"/>
-                </a:solidFill>
-              </a:rPr>
-              <a:t> add –A </a:t>
-            </a:r>
             <a:r>
               <a:rPr lang="en-US" sz="3200" dirty="0" smtClean="0">
                 <a:solidFill>
@@ -8186,30 +8137,6 @@
           </a:p>
         </p:txBody>
       </p:sp>
-      <p:pic>
-        <p:nvPicPr>
-          <p:cNvPr id="6" name="ตัวแทนเนื้อหา 3"/>
-          <p:cNvPicPr>
-            <a:picLocks noChangeAspect="1"/>
-          </p:cNvPicPr>
-          <p:nvPr/>
-        </p:nvPicPr>
-        <p:blipFill>
-          <a:blip r:embed="rId3"/>
-          <a:stretch>
-            <a:fillRect/>
-          </a:stretch>
-        </p:blipFill>
-        <p:spPr>
-          <a:xfrm>
-            <a:off x="4006850" y="4197459"/>
-            <a:ext cx="5454650" cy="2209800"/>
-          </a:xfrm>
-          <a:prstGeom prst="rect">
-            <a:avLst/>
-          </a:prstGeom>
-        </p:spPr>
-      </p:pic>
     </p:spTree>
     <p:extLst>
       <p:ext uri="{BB962C8B-B14F-4D97-AF65-F5344CB8AC3E}">
@@ -8269,13 +8196,6 @@
               <a:rPr lang="en-US" sz="2800" dirty="0" err="1" smtClean="0"/>
               <a:t>init</a:t>
             </a:r>
-            <a:r>
-              <a:rPr lang="en-US" sz="2800" dirty="0" smtClean="0"/>
-              <a:t/>
-            </a:r>
-            <a:br>
-              <a:rPr lang="en-US" sz="2800" dirty="0" smtClean="0"/>
-            </a:br>
             <a:r>
               <a:rPr lang="en-US" sz="2800" dirty="0"/>
               <a:t/>
@@ -8374,9 +8294,7 @@
         </p:nvSpPr>
         <p:spPr/>
         <p:txBody>
-          <a:bodyPr>
-            <a:normAutofit/>
-          </a:bodyPr>
+          <a:bodyPr/>
           <a:lstStyle/>
           <a:p>
             <a:r>
@@ -8385,19 +8303,8 @@
             </a:r>
             <a:r>
               <a:rPr lang="en-US" dirty="0"/>
-              <a:t> commit –m “create project </a:t>
-            </a:r>
-            <a:r>
-              <a:rPr lang="en-US" dirty="0" err="1"/>
-              <a:t>kingsong</a:t>
-            </a:r>
-            <a:r>
-              <a:rPr lang="en-US" dirty="0"/>
-              <a:t>”</a:t>
-            </a:r>
-            <a:br>
-              <a:rPr lang="en-US" dirty="0"/>
-            </a:br>
+              <a:t> status</a:t>
+            </a:r>
             <a:endParaRPr lang="th-TH" dirty="0"/>
           </a:p>
         </p:txBody>
@@ -8420,8 +8327,8 @@
         </p:blipFill>
         <p:spPr>
           <a:xfrm>
-            <a:off x="1707413" y="2564605"/>
-            <a:ext cx="7559675" cy="3632023"/>
+            <a:off x="1574913" y="2702560"/>
+            <a:ext cx="7824675" cy="3164840"/>
           </a:xfrm>
           <a:prstGeom prst="rect">
             <a:avLst/>
@@ -8431,7 +8338,7 @@
     </p:spTree>
     <p:extLst>
       <p:ext uri="{BB962C8B-B14F-4D97-AF65-F5344CB8AC3E}">
-        <p14:creationId xmlns:p14="http://schemas.microsoft.com/office/powerpoint/2010/main" val="4236161265"/>
+        <p14:creationId xmlns:p14="http://schemas.microsoft.com/office/powerpoint/2010/main" val="1936173545"/>
       </p:ext>
     </p:extLst>
   </p:cSld>
@@ -8471,41 +8378,25 @@
         <p:spPr/>
         <p:txBody>
           <a:bodyPr>
-            <a:normAutofit fontScale="90000"/>
+            <a:normAutofit/>
           </a:bodyPr>
           <a:lstStyle/>
           <a:p>
-            <a:pPr>
-              <a:lnSpc>
-                <a:spcPct val="100000"/>
-              </a:lnSpc>
-            </a:pPr>
             <a:r>
               <a:rPr lang="en-US" dirty="0" err="1"/>
               <a:t>git</a:t>
             </a:r>
             <a:r>
               <a:rPr lang="en-US" dirty="0"/>
-              <a:t> remote add origin “</a:t>
+              <a:t> commit –m “create project </a:t>
             </a:r>
             <a:r>
               <a:rPr lang="en-US" dirty="0" err="1"/>
-              <a:t>git</a:t>
+              <a:t>kingsong</a:t>
             </a:r>
             <a:r>
               <a:rPr lang="en-US" dirty="0"/>
-              <a:t> repo”</a:t>
-            </a:r>
-            <a:br>
-              <a:rPr lang="en-US" dirty="0"/>
-            </a:br>
-            <a:r>
-              <a:rPr lang="en-US" dirty="0" err="1"/>
-              <a:t>git</a:t>
-            </a:r>
-            <a:r>
-              <a:rPr lang="en-US" dirty="0"/>
-              <a:t> push -u origin master</a:t>
+              <a:t>”</a:t>
             </a:r>
             <a:br>
               <a:rPr lang="en-US" dirty="0"/>
@@ -8532,8 +8423,8 @@
         </p:blipFill>
         <p:spPr>
           <a:xfrm>
-            <a:off x="580191" y="2672556"/>
-            <a:ext cx="9814119" cy="3144044"/>
+            <a:off x="1707413" y="2564605"/>
+            <a:ext cx="7559675" cy="3632023"/>
           </a:xfrm>
           <a:prstGeom prst="rect">
             <a:avLst/>
@@ -8543,7 +8434,7 @@
     </p:spTree>
     <p:extLst>
       <p:ext uri="{BB962C8B-B14F-4D97-AF65-F5344CB8AC3E}">
-        <p14:creationId xmlns:p14="http://schemas.microsoft.com/office/powerpoint/2010/main" val="2480868961"/>
+        <p14:creationId xmlns:p14="http://schemas.microsoft.com/office/powerpoint/2010/main" val="4236161265"/>
       </p:ext>
     </p:extLst>
   </p:cSld>
@@ -8582,21 +8473,46 @@
         </p:nvSpPr>
         <p:spPr/>
         <p:txBody>
-          <a:bodyPr/>
+          <a:bodyPr>
+            <a:normAutofit fontScale="90000"/>
+          </a:bodyPr>
           <a:lstStyle/>
           <a:p>
-            <a:r>
-              <a:rPr lang="en-US" dirty="0" err="1" smtClean="0"/>
-              <a:t>heroku</a:t>
-            </a:r>
-            <a:r>
-              <a:rPr lang="en-US" dirty="0" smtClean="0"/>
-              <a:t> </a:t>
+            <a:pPr>
+              <a:lnSpc>
+                <a:spcPct val="100000"/>
+              </a:lnSpc>
+            </a:pPr>
+            <a:r>
+              <a:rPr lang="en-US" dirty="0" err="1"/>
+              <a:t>git</a:t>
             </a:r>
             <a:r>
               <a:rPr lang="en-US" dirty="0"/>
-              <a:t>login </a:t>
-            </a:r>
+              <a:t> remote add origin “</a:t>
+            </a:r>
+            <a:r>
+              <a:rPr lang="en-US" dirty="0" err="1"/>
+              <a:t>git</a:t>
+            </a:r>
+            <a:r>
+              <a:rPr lang="en-US" dirty="0"/>
+              <a:t> repo”</a:t>
+            </a:r>
+            <a:br>
+              <a:rPr lang="en-US" dirty="0"/>
+            </a:br>
+            <a:r>
+              <a:rPr lang="en-US" dirty="0" err="1"/>
+              <a:t>git</a:t>
+            </a:r>
+            <a:r>
+              <a:rPr lang="en-US" dirty="0"/>
+              <a:t> push -u origin master</a:t>
+            </a:r>
+            <a:br>
+              <a:rPr lang="en-US" dirty="0"/>
+            </a:br>
             <a:endParaRPr lang="th-TH" dirty="0"/>
           </a:p>
         </p:txBody>
@@ -8619,119 +8535,8 @@
         </p:blipFill>
         <p:spPr>
           <a:xfrm>
-            <a:off x="680321" y="2235994"/>
-            <a:ext cx="5084418" cy="1650206"/>
-          </a:xfrm>
-          <a:prstGeom prst="rect">
-            <a:avLst/>
-          </a:prstGeom>
-        </p:spPr>
-      </p:pic>
-      <p:sp>
-        <p:nvSpPr>
-          <p:cNvPr id="5" name="สี่เหลี่ยมผืนผ้า 4"/>
-          <p:cNvSpPr/>
-          <p:nvPr/>
-        </p:nvSpPr>
-        <p:spPr>
-          <a:xfrm>
-            <a:off x="680321" y="4673252"/>
-            <a:ext cx="3967879" cy="1384995"/>
-          </a:xfrm>
-          <a:prstGeom prst="rect">
-            <a:avLst/>
-          </a:prstGeom>
-        </p:spPr>
-        <p:txBody>
-          <a:bodyPr wrap="square">
-            <a:spAutoFit/>
-          </a:bodyPr>
-          <a:lstStyle/>
-          <a:p>
-            <a:r>
-              <a:rPr lang="en-US" dirty="0" err="1" smtClean="0">
-                <a:solidFill>
-                  <a:schemeClr val="bg1"/>
-                </a:solidFill>
-              </a:rPr>
-              <a:t>heroku</a:t>
-            </a:r>
-            <a:r>
-              <a:rPr lang="en-US" dirty="0" smtClean="0">
-                <a:solidFill>
-                  <a:schemeClr val="bg1"/>
-                </a:solidFill>
-              </a:rPr>
-              <a:t> create </a:t>
-            </a:r>
-            <a:br>
-              <a:rPr lang="en-US" dirty="0" smtClean="0">
-                <a:solidFill>
-                  <a:schemeClr val="bg1"/>
-                </a:solidFill>
-              </a:rPr>
-            </a:br>
-            <a:r>
-              <a:rPr lang="en-US" dirty="0" err="1" smtClean="0">
-                <a:solidFill>
-                  <a:schemeClr val="bg1"/>
-                </a:solidFill>
-              </a:rPr>
-              <a:t>git</a:t>
-            </a:r>
-            <a:r>
-              <a:rPr lang="en-US" dirty="0" smtClean="0">
-                <a:solidFill>
-                  <a:schemeClr val="bg1"/>
-                </a:solidFill>
-              </a:rPr>
-              <a:t> push </a:t>
-            </a:r>
-            <a:r>
-              <a:rPr lang="en-US" dirty="0" err="1" smtClean="0">
-                <a:solidFill>
-                  <a:schemeClr val="bg1"/>
-                </a:solidFill>
-              </a:rPr>
-              <a:t>heroku</a:t>
-            </a:r>
-            <a:r>
-              <a:rPr lang="en-US" dirty="0" smtClean="0">
-                <a:solidFill>
-                  <a:schemeClr val="bg1"/>
-                </a:solidFill>
-              </a:rPr>
-              <a:t> master</a:t>
-            </a:r>
-            <a:r>
-              <a:rPr lang="en-US" dirty="0" smtClean="0"/>
-              <a:t/>
-            </a:r>
-            <a:br>
-              <a:rPr lang="en-US" dirty="0" smtClean="0"/>
-            </a:br>
-            <a:endParaRPr lang="th-TH" dirty="0"/>
-          </a:p>
-        </p:txBody>
-      </p:sp>
-      <p:pic>
-        <p:nvPicPr>
-          <p:cNvPr id="6" name="ตัวแทนเนื้อหา 5"/>
-          <p:cNvPicPr>
-            <a:picLocks noChangeAspect="1"/>
-          </p:cNvPicPr>
-          <p:nvPr/>
-        </p:nvPicPr>
-        <p:blipFill>
-          <a:blip r:embed="rId3"/>
-          <a:stretch>
-            <a:fillRect/>
-          </a:stretch>
-        </p:blipFill>
-        <p:spPr>
-          <a:xfrm>
-            <a:off x="4556125" y="4288028"/>
-            <a:ext cx="6977978" cy="2155444"/>
+            <a:off x="580191" y="2672556"/>
+            <a:ext cx="9814119" cy="3144044"/>
           </a:xfrm>
           <a:prstGeom prst="rect">
             <a:avLst/>
@@ -8741,7 +8546,7 @@
     </p:spTree>
     <p:extLst>
       <p:ext uri="{BB962C8B-B14F-4D97-AF65-F5344CB8AC3E}">
-        <p14:creationId xmlns:p14="http://schemas.microsoft.com/office/powerpoint/2010/main" val="1870016230"/>
+        <p14:creationId xmlns:p14="http://schemas.microsoft.com/office/powerpoint/2010/main" val="2480868961"/>
       </p:ext>
     </p:extLst>
   </p:cSld>
@@ -8784,12 +8589,16 @@
           <a:lstStyle/>
           <a:p>
             <a:r>
-              <a:rPr lang="en-US" dirty="0" err="1"/>
-              <a:t>git</a:t>
+              <a:rPr lang="en-US" dirty="0" err="1" smtClean="0"/>
+              <a:t>heroku</a:t>
+            </a:r>
+            <a:r>
+              <a:rPr lang="en-US" dirty="0" smtClean="0"/>
+              <a:t> </a:t>
             </a:r>
             <a:r>
               <a:rPr lang="en-US" dirty="0"/>
-              <a:t> checkout -b static-pages</a:t>
+              <a:t>login </a:t>
             </a:r>
             <a:endParaRPr lang="th-TH" dirty="0"/>
           </a:p>
@@ -8813,8 +8622,119 @@
         </p:blipFill>
         <p:spPr>
           <a:xfrm>
-            <a:off x="1779516" y="2331244"/>
-            <a:ext cx="7415470" cy="3980656"/>
+            <a:off x="680321" y="2235994"/>
+            <a:ext cx="5084418" cy="1650206"/>
+          </a:xfrm>
+          <a:prstGeom prst="rect">
+            <a:avLst/>
+          </a:prstGeom>
+        </p:spPr>
+      </p:pic>
+      <p:sp>
+        <p:nvSpPr>
+          <p:cNvPr id="5" name="สี่เหลี่ยมผืนผ้า 4"/>
+          <p:cNvSpPr/>
+          <p:nvPr/>
+        </p:nvSpPr>
+        <p:spPr>
+          <a:xfrm>
+            <a:off x="680321" y="4673252"/>
+            <a:ext cx="3967879" cy="1384995"/>
+          </a:xfrm>
+          <a:prstGeom prst="rect">
+            <a:avLst/>
+          </a:prstGeom>
+        </p:spPr>
+        <p:txBody>
+          <a:bodyPr wrap="square">
+            <a:spAutoFit/>
+          </a:bodyPr>
+          <a:lstStyle/>
+          <a:p>
+            <a:r>
+              <a:rPr lang="en-US" dirty="0" err="1" smtClean="0">
+                <a:solidFill>
+                  <a:schemeClr val="bg1"/>
+                </a:solidFill>
+              </a:rPr>
+              <a:t>heroku</a:t>
+            </a:r>
+            <a:r>
+              <a:rPr lang="en-US" dirty="0" smtClean="0">
+                <a:solidFill>
+                  <a:schemeClr val="bg1"/>
+                </a:solidFill>
+              </a:rPr>
+              <a:t> create </a:t>
+            </a:r>
+            <a:br>
+              <a:rPr lang="en-US" dirty="0" smtClean="0">
+                <a:solidFill>
+                  <a:schemeClr val="bg1"/>
+                </a:solidFill>
+              </a:rPr>
+            </a:br>
+            <a:r>
+              <a:rPr lang="en-US" dirty="0" err="1" smtClean="0">
+                <a:solidFill>
+                  <a:schemeClr val="bg1"/>
+                </a:solidFill>
+              </a:rPr>
+              <a:t>git</a:t>
+            </a:r>
+            <a:r>
+              <a:rPr lang="en-US" dirty="0" smtClean="0">
+                <a:solidFill>
+                  <a:schemeClr val="bg1"/>
+                </a:solidFill>
+              </a:rPr>
+              <a:t> push </a:t>
+            </a:r>
+            <a:r>
+              <a:rPr lang="en-US" dirty="0" err="1" smtClean="0">
+                <a:solidFill>
+                  <a:schemeClr val="bg1"/>
+                </a:solidFill>
+              </a:rPr>
+              <a:t>heroku</a:t>
+            </a:r>
+            <a:r>
+              <a:rPr lang="en-US" dirty="0" smtClean="0">
+                <a:solidFill>
+                  <a:schemeClr val="bg1"/>
+                </a:solidFill>
+              </a:rPr>
+              <a:t> master</a:t>
+            </a:r>
+            <a:r>
+              <a:rPr lang="en-US" dirty="0" smtClean="0"/>
+              <a:t/>
+            </a:r>
+            <a:br>
+              <a:rPr lang="en-US" dirty="0" smtClean="0"/>
+            </a:br>
+            <a:endParaRPr lang="th-TH" dirty="0"/>
+          </a:p>
+        </p:txBody>
+      </p:sp>
+      <p:pic>
+        <p:nvPicPr>
+          <p:cNvPr id="6" name="ตัวแทนเนื้อหา 5"/>
+          <p:cNvPicPr>
+            <a:picLocks noChangeAspect="1"/>
+          </p:cNvPicPr>
+          <p:nvPr/>
+        </p:nvPicPr>
+        <p:blipFill>
+          <a:blip r:embed="rId3"/>
+          <a:stretch>
+            <a:fillRect/>
+          </a:stretch>
+        </p:blipFill>
+        <p:spPr>
+          <a:xfrm>
+            <a:off x="4556125" y="4288028"/>
+            <a:ext cx="6977978" cy="2155444"/>
           </a:xfrm>
           <a:prstGeom prst="rect">
             <a:avLst/>
@@ -8824,7 +8744,7 @@
     </p:spTree>
     <p:extLst>
       <p:ext uri="{BB962C8B-B14F-4D97-AF65-F5344CB8AC3E}">
-        <p14:creationId xmlns:p14="http://schemas.microsoft.com/office/powerpoint/2010/main" val="3981144839"/>
+        <p14:creationId xmlns:p14="http://schemas.microsoft.com/office/powerpoint/2010/main" val="1870016230"/>
       </p:ext>
     </p:extLst>
   </p:cSld>
@@ -8863,22 +8783,16 @@
         </p:nvSpPr>
         <p:spPr/>
         <p:txBody>
-          <a:bodyPr>
-            <a:normAutofit/>
-          </a:bodyPr>
+          <a:bodyPr/>
           <a:lstStyle/>
           <a:p>
             <a:r>
+              <a:rPr lang="en-US" dirty="0" err="1"/>
+              <a:t>git</a:t>
+            </a:r>
+            <a:r>
               <a:rPr lang="en-US" dirty="0"/>
-              <a:t>rails generate controller </a:t>
-            </a:r>
-            <a:r>
-              <a:rPr lang="en-US" dirty="0" err="1"/>
-              <a:t>StaticPages</a:t>
-            </a:r>
-            <a:r>
-              <a:rPr lang="en-US" dirty="0"/>
-              <a:t> home kingsong1 kingsong2 kingsong3</a:t>
+              <a:t> checkout -b static-pages</a:t>
             </a:r>
             <a:endParaRPr lang="th-TH" dirty="0"/>
           </a:p>
@@ -8902,8 +8816,8 @@
         </p:blipFill>
         <p:spPr>
           <a:xfrm>
-            <a:off x="2107463" y="2416969"/>
-            <a:ext cx="6759575" cy="3923732"/>
+            <a:off x="1779516" y="2331244"/>
+            <a:ext cx="7415470" cy="3980656"/>
           </a:xfrm>
           <a:prstGeom prst="rect">
             <a:avLst/>
@@ -8913,7 +8827,7 @@
     </p:spTree>
     <p:extLst>
       <p:ext uri="{BB962C8B-B14F-4D97-AF65-F5344CB8AC3E}">
-        <p14:creationId xmlns:p14="http://schemas.microsoft.com/office/powerpoint/2010/main" val="2961764912"/>
+        <p14:creationId xmlns:p14="http://schemas.microsoft.com/office/powerpoint/2010/main" val="3981144839"/>
       </p:ext>
     </p:extLst>
   </p:cSld>
@@ -8952,20 +8866,22 @@
         </p:nvSpPr>
         <p:spPr/>
         <p:txBody>
-          <a:bodyPr/>
+          <a:bodyPr>
+            <a:normAutofit/>
+          </a:bodyPr>
           <a:lstStyle/>
           <a:p>
             <a:r>
               <a:rPr lang="en-US" dirty="0"/>
-              <a:t>edit </a:t>
+              <a:t>rails generate controller </a:t>
             </a:r>
             <a:r>
               <a:rPr lang="en-US" dirty="0" err="1"/>
-              <a:t>config</a:t>
+              <a:t>StaticPages</a:t>
             </a:r>
             <a:r>
               <a:rPr lang="en-US" dirty="0"/>
-              <a:t>/routes</a:t>
+              <a:t> home kingsong1 kingsong2 kingsong3</a:t>
             </a:r>
             <a:endParaRPr lang="th-TH" dirty="0"/>
           </a:p>
@@ -8989,8 +8905,8 @@
         </p:blipFill>
         <p:spPr>
           <a:xfrm>
-            <a:off x="1926320" y="2336006"/>
-            <a:ext cx="7121862" cy="4052094"/>
+            <a:off x="2107463" y="2416969"/>
+            <a:ext cx="6759575" cy="3923732"/>
           </a:xfrm>
           <a:prstGeom prst="rect">
             <a:avLst/>
@@ -9000,7 +8916,7 @@
     </p:spTree>
     <p:extLst>
       <p:ext uri="{BB962C8B-B14F-4D97-AF65-F5344CB8AC3E}">
-        <p14:creationId xmlns:p14="http://schemas.microsoft.com/office/powerpoint/2010/main" val="1794946228"/>
+        <p14:creationId xmlns:p14="http://schemas.microsoft.com/office/powerpoint/2010/main" val="2961764912"/>
       </p:ext>
     </p:extLst>
   </p:cSld>
@@ -9040,13 +8956,21 @@
         <p:spPr/>
         <p:txBody>
           <a:bodyPr>
-            <a:normAutofit/>
+            <a:normAutofit fontScale="90000"/>
           </a:bodyPr>
           <a:lstStyle/>
           <a:p>
             <a:r>
               <a:rPr lang="en-US" dirty="0"/>
-              <a:t>Go to desktop </a:t>
+              <a:t>Go to </a:t>
+            </a:r>
+            <a:r>
+              <a:rPr lang="en-US" dirty="0" smtClean="0"/>
+              <a:t>desktop </a:t>
+            </a:r>
+            <a:r>
+              <a:rPr lang="en-US" dirty="0"/>
+              <a:t/>
             </a:r>
             <a:br>
               <a:rPr lang="en-US" dirty="0"/>
@@ -9130,8 +9054,16 @@
           <a:lstStyle/>
           <a:p>
             <a:r>
-              <a:rPr lang="en-US" dirty="0" smtClean="0"/>
-              <a:t>localhost:3000</a:t>
+              <a:rPr lang="en-US" dirty="0"/>
+              <a:t>edit </a:t>
+            </a:r>
+            <a:r>
+              <a:rPr lang="en-US" dirty="0" err="1"/>
+              <a:t>config</a:t>
+            </a:r>
+            <a:r>
+              <a:rPr lang="en-US" dirty="0"/>
+              <a:t>/routes</a:t>
             </a:r>
             <a:endParaRPr lang="th-TH" dirty="0"/>
           </a:p>
@@ -9155,162 +9087,18 @@
         </p:blipFill>
         <p:spPr>
           <a:xfrm>
-            <a:off x="1409700" y="2308446"/>
-            <a:ext cx="8767183" cy="1967952"/>
+            <a:off x="1926320" y="2336006"/>
+            <a:ext cx="7121862" cy="4052094"/>
           </a:xfrm>
           <a:prstGeom prst="rect">
             <a:avLst/>
           </a:prstGeom>
         </p:spPr>
       </p:pic>
-      <p:sp>
-        <p:nvSpPr>
-          <p:cNvPr id="5" name="สี่เหลี่ยมผืนผ้า 4"/>
-          <p:cNvSpPr/>
-          <p:nvPr/>
-        </p:nvSpPr>
-        <p:spPr>
-          <a:xfrm>
-            <a:off x="1409700" y="4598278"/>
-            <a:ext cx="9144000" cy="1815882"/>
-          </a:xfrm>
-          <a:prstGeom prst="rect">
-            <a:avLst/>
-          </a:prstGeom>
-        </p:spPr>
-        <p:txBody>
-          <a:bodyPr wrap="square">
-            <a:spAutoFit/>
-          </a:bodyPr>
-          <a:lstStyle/>
-          <a:p>
-            <a:r>
-              <a:rPr lang="en-US" dirty="0" smtClean="0">
-                <a:solidFill>
-                  <a:schemeClr val="bg1"/>
-                </a:solidFill>
-              </a:rPr>
-              <a:t>Edit app/views/</a:t>
-            </a:r>
-            <a:r>
-              <a:rPr lang="en-US" dirty="0" err="1" smtClean="0">
-                <a:solidFill>
-                  <a:schemeClr val="bg1"/>
-                </a:solidFill>
-              </a:rPr>
-              <a:t>static_pages</a:t>
-            </a:r>
-            <a:r>
-              <a:rPr lang="en-US" dirty="0" smtClean="0">
-                <a:solidFill>
-                  <a:schemeClr val="bg1"/>
-                </a:solidFill>
-              </a:rPr>
-              <a:t>/</a:t>
-            </a:r>
-            <a:r>
-              <a:rPr lang="en-US" dirty="0" err="1" smtClean="0">
-                <a:solidFill>
-                  <a:schemeClr val="bg1"/>
-                </a:solidFill>
-              </a:rPr>
-              <a:t>home.html.erb</a:t>
-            </a:r>
-            <a:endParaRPr lang="en-US" dirty="0" smtClean="0">
-              <a:solidFill>
-                <a:schemeClr val="bg1"/>
-              </a:solidFill>
-            </a:endParaRPr>
-          </a:p>
-          <a:p>
-            <a:r>
-              <a:rPr lang="en-US" dirty="0" smtClean="0">
-                <a:solidFill>
-                  <a:schemeClr val="bg1"/>
-                </a:solidFill>
-              </a:rPr>
-              <a:t>Edit app/views/</a:t>
-            </a:r>
-            <a:r>
-              <a:rPr lang="en-US" dirty="0" err="1" smtClean="0">
-                <a:solidFill>
-                  <a:schemeClr val="bg1"/>
-                </a:solidFill>
-              </a:rPr>
-              <a:t>static_pages</a:t>
-            </a:r>
-            <a:r>
-              <a:rPr lang="en-US" dirty="0" smtClean="0">
-                <a:solidFill>
-                  <a:schemeClr val="bg1"/>
-                </a:solidFill>
-              </a:rPr>
-              <a:t>/kingsong1.html.erb</a:t>
-            </a:r>
-          </a:p>
-          <a:p>
-            <a:r>
-              <a:rPr lang="en-US" dirty="0" smtClean="0">
-                <a:solidFill>
-                  <a:schemeClr val="bg1"/>
-                </a:solidFill>
-              </a:rPr>
-              <a:t>Edit app/views/</a:t>
-            </a:r>
-            <a:r>
-              <a:rPr lang="en-US" dirty="0" err="1" smtClean="0">
-                <a:solidFill>
-                  <a:schemeClr val="bg1"/>
-                </a:solidFill>
-              </a:rPr>
-              <a:t>static_pages</a:t>
-            </a:r>
-            <a:r>
-              <a:rPr lang="en-US" dirty="0" smtClean="0">
-                <a:solidFill>
-                  <a:schemeClr val="bg1"/>
-                </a:solidFill>
-              </a:rPr>
-              <a:t>/ kingsong2.html.erb</a:t>
-            </a:r>
-          </a:p>
-          <a:p>
-            <a:r>
-              <a:rPr lang="en-US" dirty="0" smtClean="0">
-                <a:solidFill>
-                  <a:schemeClr val="bg1"/>
-                </a:solidFill>
-              </a:rPr>
-              <a:t>Edit app/views/</a:t>
-            </a:r>
-            <a:r>
-              <a:rPr lang="en-US" dirty="0" err="1" smtClean="0">
-                <a:solidFill>
-                  <a:schemeClr val="bg1"/>
-                </a:solidFill>
-              </a:rPr>
-              <a:t>static_pages</a:t>
-            </a:r>
-            <a:r>
-              <a:rPr lang="en-US" dirty="0" smtClean="0">
-                <a:solidFill>
-                  <a:schemeClr val="bg1"/>
-                </a:solidFill>
-              </a:rPr>
-              <a:t>/ kingsong3.html.erb</a:t>
-            </a:r>
-            <a:endParaRPr lang="en-US" dirty="0">
-              <a:solidFill>
-                <a:schemeClr val="bg1"/>
-              </a:solidFill>
-            </a:endParaRPr>
-          </a:p>
-        </p:txBody>
-      </p:sp>
     </p:spTree>
     <p:extLst>
       <p:ext uri="{BB962C8B-B14F-4D97-AF65-F5344CB8AC3E}">
-        <p14:creationId xmlns:p14="http://schemas.microsoft.com/office/powerpoint/2010/main" val="604312363"/>
+        <p14:creationId xmlns:p14="http://schemas.microsoft.com/office/powerpoint/2010/main" val="1794946228"/>
       </p:ext>
     </p:extLst>
   </p:cSld>
@@ -9354,11 +9142,7 @@
           <a:p>
             <a:r>
               <a:rPr lang="en-US" dirty="0" smtClean="0"/>
-              <a:t>Edit </a:t>
-            </a:r>
-            <a:r>
-              <a:rPr lang="en-US" dirty="0"/>
-              <a:t>Readme</a:t>
+              <a:t>localhost:3000</a:t>
             </a:r>
             <a:endParaRPr lang="th-TH" dirty="0"/>
           </a:p>
@@ -9382,8 +9166,8 @@
         </p:blipFill>
         <p:spPr>
           <a:xfrm>
-            <a:off x="2194259" y="2250280"/>
-            <a:ext cx="6585984" cy="1635919"/>
+            <a:off x="1409700" y="2308446"/>
+            <a:ext cx="8767183" cy="1967952"/>
           </a:xfrm>
           <a:prstGeom prst="rect">
             <a:avLst/>
@@ -9398,8 +9182,8 @@
         </p:nvSpPr>
         <p:spPr>
           <a:xfrm>
-            <a:off x="2794000" y="4038599"/>
-            <a:ext cx="5854700" cy="2677656"/>
+            <a:off x="1409700" y="4598278"/>
+            <a:ext cx="9144000" cy="1815882"/>
           </a:xfrm>
           <a:prstGeom prst="rect">
             <a:avLst/>
@@ -9411,13 +9195,21 @@
           </a:bodyPr>
           <a:lstStyle/>
           <a:p>
+            <a:r>
+              <a:rPr lang="en-US" dirty="0" smtClean="0">
+                <a:solidFill>
+                  <a:schemeClr val="bg1"/>
+                </a:solidFill>
+              </a:rPr>
+              <a:t>Edit app/views/</a:t>
+            </a:r>
             <a:r>
               <a:rPr lang="en-US" dirty="0" err="1" smtClean="0">
                 <a:solidFill>
                   <a:schemeClr val="bg1"/>
                 </a:solidFill>
               </a:rPr>
-              <a:t>git</a:t>
+              <a:t>static_pages</a:t>
             </a:r>
             <a:r>
               <a:rPr lang="en-US" dirty="0" smtClean="0">
@@ -9425,35 +9217,38 @@
                   <a:schemeClr val="bg1"/>
                 </a:solidFill>
               </a:rPr>
-              <a:t> add –A</a:t>
-            </a:r>
-          </a:p>
-          <a:p>
+              <a:t>/</a:t>
+            </a:r>
             <a:r>
               <a:rPr lang="en-US" dirty="0" err="1" smtClean="0">
                 <a:solidFill>
                   <a:schemeClr val="bg1"/>
                 </a:solidFill>
               </a:rPr>
-              <a:t>git</a:t>
-            </a:r>
+              <a:t>home.html.erb</a:t>
+            </a:r>
+            <a:endParaRPr lang="en-US" dirty="0" smtClean="0">
+              <a:solidFill>
+                <a:schemeClr val="bg1"/>
+              </a:solidFill>
+            </a:endParaRPr>
+          </a:p>
+          <a:p>
             <a:r>
               <a:rPr lang="en-US" dirty="0" smtClean="0">
                 <a:solidFill>
                   <a:schemeClr val="bg1"/>
                 </a:solidFill>
               </a:rPr>
-              <a:t> commit -m "Finish static pages"</a:t>
-            </a:r>
-          </a:p>
-          <a:p>
+              <a:t>Edit app/views/</a:t>
+            </a:r>
             <a:r>
               <a:rPr lang="en-US" dirty="0" err="1" smtClean="0">
                 <a:solidFill>
                   <a:schemeClr val="bg1"/>
                 </a:solidFill>
               </a:rPr>
-              <a:t>git</a:t>
+              <a:t>static_pages</a:t>
             </a:r>
             <a:r>
               <a:rPr lang="en-US" dirty="0" smtClean="0">
@@ -9461,17 +9256,25 @@
                   <a:schemeClr val="bg1"/>
                 </a:solidFill>
               </a:rPr>
-              <a:t> checkout master</a:t>
-            </a:r>
-          </a:p>
-          <a:p>
+              <a:t>/kingsong1.html.erb</a:t>
+            </a:r>
+          </a:p>
+          <a:p>
+            <a:r>
+              <a:rPr lang="en-US" dirty="0" smtClean="0">
+                <a:solidFill>
+                  <a:schemeClr val="bg1"/>
+                </a:solidFill>
+              </a:rPr>
+              <a:t>Edit app/views/</a:t>
+            </a:r>
             <a:r>
               <a:rPr lang="en-US" dirty="0" err="1" smtClean="0">
                 <a:solidFill>
                   <a:schemeClr val="bg1"/>
                 </a:solidFill>
               </a:rPr>
-              <a:t>git</a:t>
+              <a:t>static_pages</a:t>
             </a:r>
             <a:r>
               <a:rPr lang="en-US" dirty="0" smtClean="0">
@@ -9479,18 +9282,17 @@
                   <a:schemeClr val="bg1"/>
                 </a:solidFill>
               </a:rPr>
-              <a:t> merge static-pages</a:t>
-            </a:r>
-          </a:p>
-          <a:p>
-            <a:pPr lvl="0"/>
+              <a:t>/ kingsong2.html.erb</a:t>
+            </a:r>
+          </a:p>
+          <a:p>
             <a:r>
               <a:rPr lang="en-US" dirty="0" smtClean="0">
                 <a:solidFill>
                   <a:schemeClr val="bg1"/>
                 </a:solidFill>
               </a:rPr>
-              <a:t> </a:t>
+              <a:t>Edit app/views/</a:t>
             </a:r>
             <a:r>
               <a:rPr lang="en-US" dirty="0" err="1" smtClean="0">
@@ -9498,7 +9300,7 @@
                   <a:schemeClr val="bg1"/>
                 </a:solidFill>
               </a:rPr>
-              <a:t>git</a:t>
+              <a:t>static_pages</a:t>
             </a:r>
             <a:r>
               <a:rPr lang="en-US" dirty="0" smtClean="0">
@@ -9506,34 +9308,7 @@
                   <a:schemeClr val="bg1"/>
                 </a:solidFill>
               </a:rPr>
-              <a:t> push</a:t>
-            </a:r>
-          </a:p>
-          <a:p>
-            <a:pPr lvl="0"/>
-            <a:r>
-              <a:rPr lang="en-US" dirty="0" err="1" smtClean="0">
-                <a:solidFill>
-                  <a:schemeClr val="bg1"/>
-                </a:solidFill>
-              </a:rPr>
-              <a:t>git</a:t>
-            </a:r>
-            <a:r>
-              <a:rPr lang="en-US" dirty="0" smtClean="0">
-                <a:solidFill>
-                  <a:schemeClr val="bg1"/>
-                </a:solidFill>
-              </a:rPr>
-              <a:t> push </a:t>
-            </a:r>
-            <a:r>
-              <a:rPr lang="en-US" dirty="0" err="1" smtClean="0">
-                <a:solidFill>
-                  <a:schemeClr val="bg1"/>
-                </a:solidFill>
-              </a:rPr>
-              <a:t>heroku</a:t>
+              <a:t>/ kingsong3.html.erb</a:t>
             </a:r>
             <a:endParaRPr lang="en-US" dirty="0">
               <a:solidFill>
@@ -9546,7 +9321,7 @@
     </p:spTree>
     <p:extLst>
       <p:ext uri="{BB962C8B-B14F-4D97-AF65-F5344CB8AC3E}">
-        <p14:creationId xmlns:p14="http://schemas.microsoft.com/office/powerpoint/2010/main" val="3957986271"/>
+        <p14:creationId xmlns:p14="http://schemas.microsoft.com/office/powerpoint/2010/main" val="604312363"/>
       </p:ext>
     </p:extLst>
   </p:cSld>
@@ -9585,6 +9360,242 @@
         </p:nvSpPr>
         <p:spPr/>
         <p:txBody>
+          <a:bodyPr/>
+          <a:lstStyle/>
+          <a:p>
+            <a:r>
+              <a:rPr lang="en-US" dirty="0" smtClean="0"/>
+              <a:t>Edit </a:t>
+            </a:r>
+            <a:r>
+              <a:rPr lang="en-US" dirty="0"/>
+              <a:t>Readme</a:t>
+            </a:r>
+            <a:endParaRPr lang="th-TH" dirty="0"/>
+          </a:p>
+        </p:txBody>
+      </p:sp>
+      <p:pic>
+        <p:nvPicPr>
+          <p:cNvPr id="4" name="ตัวแทนเนื้อหา 3"/>
+          <p:cNvPicPr>
+            <a:picLocks noGrp="1" noChangeAspect="1"/>
+          </p:cNvPicPr>
+          <p:nvPr>
+            <p:ph idx="1"/>
+          </p:nvPr>
+        </p:nvPicPr>
+        <p:blipFill>
+          <a:blip r:embed="rId2"/>
+          <a:stretch>
+            <a:fillRect/>
+          </a:stretch>
+        </p:blipFill>
+        <p:spPr>
+          <a:xfrm>
+            <a:off x="2194259" y="2250280"/>
+            <a:ext cx="6585984" cy="1635919"/>
+          </a:xfrm>
+          <a:prstGeom prst="rect">
+            <a:avLst/>
+          </a:prstGeom>
+        </p:spPr>
+      </p:pic>
+      <p:sp>
+        <p:nvSpPr>
+          <p:cNvPr id="5" name="สี่เหลี่ยมผืนผ้า 4"/>
+          <p:cNvSpPr/>
+          <p:nvPr/>
+        </p:nvSpPr>
+        <p:spPr>
+          <a:xfrm>
+            <a:off x="2794000" y="4038599"/>
+            <a:ext cx="5854700" cy="2677656"/>
+          </a:xfrm>
+          <a:prstGeom prst="rect">
+            <a:avLst/>
+          </a:prstGeom>
+        </p:spPr>
+        <p:txBody>
+          <a:bodyPr wrap="square">
+            <a:spAutoFit/>
+          </a:bodyPr>
+          <a:lstStyle/>
+          <a:p>
+            <a:r>
+              <a:rPr lang="en-US" dirty="0" err="1" smtClean="0">
+                <a:solidFill>
+                  <a:schemeClr val="bg1"/>
+                </a:solidFill>
+              </a:rPr>
+              <a:t>git</a:t>
+            </a:r>
+            <a:r>
+              <a:rPr lang="en-US" dirty="0" smtClean="0">
+                <a:solidFill>
+                  <a:schemeClr val="bg1"/>
+                </a:solidFill>
+              </a:rPr>
+              <a:t> add –A</a:t>
+            </a:r>
+          </a:p>
+          <a:p>
+            <a:r>
+              <a:rPr lang="en-US" dirty="0" err="1" smtClean="0">
+                <a:solidFill>
+                  <a:schemeClr val="bg1"/>
+                </a:solidFill>
+              </a:rPr>
+              <a:t>git</a:t>
+            </a:r>
+            <a:r>
+              <a:rPr lang="en-US" dirty="0" smtClean="0">
+                <a:solidFill>
+                  <a:schemeClr val="bg1"/>
+                </a:solidFill>
+              </a:rPr>
+              <a:t> commit -m "Finish static pages"</a:t>
+            </a:r>
+          </a:p>
+          <a:p>
+            <a:r>
+              <a:rPr lang="en-US" dirty="0" err="1" smtClean="0">
+                <a:solidFill>
+                  <a:schemeClr val="bg1"/>
+                </a:solidFill>
+              </a:rPr>
+              <a:t>git</a:t>
+            </a:r>
+            <a:r>
+              <a:rPr lang="en-US" dirty="0" smtClean="0">
+                <a:solidFill>
+                  <a:schemeClr val="bg1"/>
+                </a:solidFill>
+              </a:rPr>
+              <a:t> checkout master</a:t>
+            </a:r>
+          </a:p>
+          <a:p>
+            <a:r>
+              <a:rPr lang="en-US" dirty="0" err="1" smtClean="0">
+                <a:solidFill>
+                  <a:schemeClr val="bg1"/>
+                </a:solidFill>
+              </a:rPr>
+              <a:t>git</a:t>
+            </a:r>
+            <a:r>
+              <a:rPr lang="en-US" dirty="0" smtClean="0">
+                <a:solidFill>
+                  <a:schemeClr val="bg1"/>
+                </a:solidFill>
+              </a:rPr>
+              <a:t> merge static-pages</a:t>
+            </a:r>
+          </a:p>
+          <a:p>
+            <a:pPr lvl="0"/>
+            <a:r>
+              <a:rPr lang="en-US" dirty="0" smtClean="0">
+                <a:solidFill>
+                  <a:schemeClr val="bg1"/>
+                </a:solidFill>
+              </a:rPr>
+              <a:t> </a:t>
+            </a:r>
+            <a:r>
+              <a:rPr lang="en-US" dirty="0" err="1" smtClean="0">
+                <a:solidFill>
+                  <a:schemeClr val="bg1"/>
+                </a:solidFill>
+              </a:rPr>
+              <a:t>git</a:t>
+            </a:r>
+            <a:r>
+              <a:rPr lang="en-US" dirty="0" smtClean="0">
+                <a:solidFill>
+                  <a:schemeClr val="bg1"/>
+                </a:solidFill>
+              </a:rPr>
+              <a:t> push</a:t>
+            </a:r>
+          </a:p>
+          <a:p>
+            <a:pPr lvl="0"/>
+            <a:r>
+              <a:rPr lang="en-US" dirty="0" err="1" smtClean="0">
+                <a:solidFill>
+                  <a:schemeClr val="bg1"/>
+                </a:solidFill>
+              </a:rPr>
+              <a:t>git</a:t>
+            </a:r>
+            <a:r>
+              <a:rPr lang="en-US" dirty="0" smtClean="0">
+                <a:solidFill>
+                  <a:schemeClr val="bg1"/>
+                </a:solidFill>
+              </a:rPr>
+              <a:t> push </a:t>
+            </a:r>
+            <a:r>
+              <a:rPr lang="en-US" dirty="0" err="1" smtClean="0">
+                <a:solidFill>
+                  <a:schemeClr val="bg1"/>
+                </a:solidFill>
+              </a:rPr>
+              <a:t>heroku</a:t>
+            </a:r>
+            <a:endParaRPr lang="en-US" dirty="0">
+              <a:solidFill>
+                <a:schemeClr val="bg1"/>
+              </a:solidFill>
+            </a:endParaRPr>
+          </a:p>
+        </p:txBody>
+      </p:sp>
+    </p:spTree>
+    <p:extLst>
+      <p:ext uri="{BB962C8B-B14F-4D97-AF65-F5344CB8AC3E}">
+        <p14:creationId xmlns:p14="http://schemas.microsoft.com/office/powerpoint/2010/main" val="3957986271"/>
+      </p:ext>
+    </p:extLst>
+  </p:cSld>
+  <p:clrMapOvr>
+    <a:masterClrMapping/>
+  </p:clrMapOvr>
+</p:sld>
+</file>
+
+<file path=ppt/slides/slide23.xml><?xml version="1.0" encoding="utf-8"?>
+<p:sld xmlns:a="http://schemas.openxmlformats.org/drawingml/2006/main" xmlns:r="http://schemas.openxmlformats.org/officeDocument/2006/relationships" xmlns:p="http://schemas.openxmlformats.org/presentationml/2006/main">
+  <p:cSld>
+    <p:spTree>
+      <p:nvGrpSpPr>
+        <p:cNvPr id="1" name=""/>
+        <p:cNvGrpSpPr/>
+        <p:nvPr/>
+      </p:nvGrpSpPr>
+      <p:grpSpPr>
+        <a:xfrm>
+          <a:off x="0" y="0"/>
+          <a:ext cx="0" cy="0"/>
+          <a:chOff x="0" y="0"/>
+          <a:chExt cx="0" cy="0"/>
+        </a:xfrm>
+      </p:grpSpPr>
+      <p:sp>
+        <p:nvSpPr>
+          <p:cNvPr id="2" name="ชื่อเรื่อง 1"/>
+          <p:cNvSpPr>
+            <a:spLocks noGrp="1"/>
+          </p:cNvSpPr>
+          <p:nvPr>
+            <p:ph type="title"/>
+          </p:nvPr>
+        </p:nvSpPr>
+        <p:spPr/>
+        <p:txBody>
           <a:bodyPr>
             <a:normAutofit fontScale="90000"/>
           </a:bodyPr>
@@ -9707,7 +9718,7 @@
 </p:sld>
 </file>
 
-<file path=ppt/slides/slide23.xml><?xml version="1.0" encoding="utf-8"?>
+<file path=ppt/slides/slide24.xml><?xml version="1.0" encoding="utf-8"?>
 <p:sld xmlns:a="http://schemas.openxmlformats.org/drawingml/2006/main" xmlns:r="http://schemas.openxmlformats.org/officeDocument/2006/relationships" xmlns:p="http://schemas.openxmlformats.org/presentationml/2006/main">
   <p:cSld>
     <p:spTree>
@@ -10046,8 +10057,12 @@
           <a:lstStyle/>
           <a:p>
             <a:r>
-              <a:rPr lang="en-US" dirty="0"/>
-              <a:t>change </a:t>
+              <a:rPr lang="th-TH" dirty="0" smtClean="0"/>
+              <a:t>แก้ไข</a:t>
+            </a:r>
+            <a:r>
+              <a:rPr lang="en-US" dirty="0" smtClean="0"/>
+              <a:t> </a:t>
             </a:r>
             <a:r>
               <a:rPr lang="en-US" dirty="0" err="1"/>
@@ -10153,7 +10168,7 @@
         <p:spPr>
           <a:xfrm>
             <a:off x="188070" y="663122"/>
-            <a:ext cx="1701107" cy="553357"/>
+            <a:ext cx="1830950" cy="553357"/>
           </a:xfrm>
           <a:prstGeom prst="rect">
             <a:avLst/>
@@ -10183,13 +10198,13 @@
               <a:t>1. cd </a:t>
             </a:r>
             <a:r>
-              <a:rPr lang="en-US" dirty="0" err="1" smtClean="0">
+              <a:rPr lang="en-US" dirty="0" smtClean="0">
                 <a:effectLst/>
                 <a:latin typeface="TH SarabunPSK" panose="020B0500040200020003" pitchFamily="34" charset="-34"/>
                 <a:ea typeface="Calibri" panose="020F0502020204030204" pitchFamily="34" charset="0"/>
                 <a:cs typeface="Cordia New" panose="020B0304020202020204" pitchFamily="34" charset="-34"/>
               </a:rPr>
-              <a:t>kingsong</a:t>
+              <a:t>kingsong2</a:t>
             </a:r>
             <a:endParaRPr lang="en-US" sz="1600" dirty="0">
               <a:effectLst/>

--- a/presentation.pptx
+++ b/presentation.pptx
@@ -27,8 +27,6 @@
     <p:sldId id="276" r:id="rId21"/>
     <p:sldId id="277" r:id="rId22"/>
     <p:sldId id="280" r:id="rId23"/>
-    <p:sldId id="282" r:id="rId24"/>
-    <p:sldId id="285" r:id="rId25"/>
   </p:sldIdLst>
   <p:sldSz cx="12192000" cy="6858000"/>
   <p:notesSz cx="6858000" cy="9144000"/>
@@ -9496,6 +9494,14 @@
           <a:p>
             <a:pPr lvl="0"/>
             <a:r>
+              <a:rPr lang="en-US" dirty="0" err="1" smtClean="0">
+                <a:solidFill>
+                  <a:schemeClr val="bg1"/>
+                </a:solidFill>
+              </a:rPr>
+              <a:t>git</a:t>
+            </a:r>
+            <a:r>
               <a:rPr lang="en-US" dirty="0" smtClean="0">
                 <a:solidFill>
                   <a:schemeClr val="bg1"/>
@@ -9504,6 +9510,17 @@
               <a:t> </a:t>
             </a:r>
             <a:r>
+              <a:rPr lang="en-US" dirty="0" smtClean="0">
+                <a:solidFill>
+                  <a:schemeClr val="bg1"/>
+                </a:solidFill>
+              </a:rPr>
+              <a:t>push</a:t>
+            </a:r>
+          </a:p>
+          <a:p>
+            <a:pPr lvl="0"/>
+            <a:r>
               <a:rPr lang="en-US" dirty="0" err="1" smtClean="0">
                 <a:solidFill>
                   <a:schemeClr val="bg1"/>
@@ -9517,25 +9534,6 @@
                   <a:schemeClr val="bg1"/>
                 </a:solidFill>
               </a:rPr>
-              <a:t> push</a:t>
-            </a:r>
-          </a:p>
-          <a:p>
-            <a:pPr lvl="0"/>
-            <a:r>
-              <a:rPr lang="en-US" dirty="0" err="1" smtClean="0">
-                <a:solidFill>
-                  <a:schemeClr val="bg1"/>
-                </a:solidFill>
-              </a:rPr>
-              <a:t>git</a:t>
-            </a:r>
-            <a:r>
-              <a:rPr lang="en-US" dirty="0" smtClean="0">
-                <a:solidFill>
-                  <a:schemeClr val="bg1"/>
-                </a:solidFill>
-              </a:rPr>
               <a:t> push </a:t>
             </a:r>
             <a:r>
@@ -9558,366 +9556,6 @@
     <p:extLst>
       <p:ext uri="{BB962C8B-B14F-4D97-AF65-F5344CB8AC3E}">
         <p14:creationId xmlns:p14="http://schemas.microsoft.com/office/powerpoint/2010/main" val="3957986271"/>
-      </p:ext>
-    </p:extLst>
-  </p:cSld>
-  <p:clrMapOvr>
-    <a:masterClrMapping/>
-  </p:clrMapOvr>
-</p:sld>
-</file>
-
-<file path=ppt/slides/slide23.xml><?xml version="1.0" encoding="utf-8"?>
-<p:sld xmlns:a="http://schemas.openxmlformats.org/drawingml/2006/main" xmlns:r="http://schemas.openxmlformats.org/officeDocument/2006/relationships" xmlns:p="http://schemas.openxmlformats.org/presentationml/2006/main">
-  <p:cSld>
-    <p:spTree>
-      <p:nvGrpSpPr>
-        <p:cNvPr id="1" name=""/>
-        <p:cNvGrpSpPr/>
-        <p:nvPr/>
-      </p:nvGrpSpPr>
-      <p:grpSpPr>
-        <a:xfrm>
-          <a:off x="0" y="0"/>
-          <a:ext cx="0" cy="0"/>
-          <a:chOff x="0" y="0"/>
-          <a:chExt cx="0" cy="0"/>
-        </a:xfrm>
-      </p:grpSpPr>
-      <p:sp>
-        <p:nvSpPr>
-          <p:cNvPr id="2" name="ชื่อเรื่อง 1"/>
-          <p:cNvSpPr>
-            <a:spLocks noGrp="1"/>
-          </p:cNvSpPr>
-          <p:nvPr>
-            <p:ph type="title"/>
-          </p:nvPr>
-        </p:nvSpPr>
-        <p:spPr/>
-        <p:txBody>
-          <a:bodyPr>
-            <a:normAutofit fontScale="90000"/>
-          </a:bodyPr>
-          <a:lstStyle/>
-          <a:p>
-            <a:r>
-              <a:rPr lang="en-US" dirty="0" err="1" smtClean="0"/>
-              <a:t>git</a:t>
-            </a:r>
-            <a:r>
-              <a:rPr lang="en-US" dirty="0" smtClean="0"/>
-              <a:t> </a:t>
-            </a:r>
-            <a:r>
-              <a:rPr lang="en-US" dirty="0"/>
-              <a:t>checkout –b </a:t>
-            </a:r>
-            <a:r>
-              <a:rPr lang="en-US" dirty="0" smtClean="0"/>
-              <a:t>presentation</a:t>
-            </a:r>
-            <a:br>
-              <a:rPr lang="en-US" dirty="0" smtClean="0"/>
-            </a:br>
-            <a:r>
-              <a:rPr lang="en-US" dirty="0"/>
-              <a:t>create </a:t>
-            </a:r>
-            <a:r>
-              <a:rPr lang="en-US" dirty="0" err="1"/>
-              <a:t>powerpoint</a:t>
-            </a:r>
-            <a:r>
-              <a:rPr lang="en-US" dirty="0"/>
-              <a:t/>
-            </a:r>
-            <a:br>
-              <a:rPr lang="en-US" dirty="0"/>
-            </a:br>
-            <a:endParaRPr lang="th-TH" dirty="0"/>
-          </a:p>
-        </p:txBody>
-      </p:sp>
-      <p:sp>
-        <p:nvSpPr>
-          <p:cNvPr id="3" name="ตัวแทนเนื้อหา 2"/>
-          <p:cNvSpPr>
-            <a:spLocks noGrp="1"/>
-          </p:cNvSpPr>
-          <p:nvPr>
-            <p:ph idx="1"/>
-          </p:nvPr>
-        </p:nvSpPr>
-        <p:spPr/>
-        <p:txBody>
-          <a:bodyPr/>
-          <a:lstStyle/>
-          <a:p>
-            <a:pPr marL="0" indent="0">
-              <a:buNone/>
-            </a:pPr>
-            <a:endParaRPr lang="en-US" dirty="0"/>
-          </a:p>
-        </p:txBody>
-      </p:sp>
-      <p:pic>
-        <p:nvPicPr>
-          <p:cNvPr id="4" name="Picture 36"/>
-          <p:cNvPicPr/>
-          <p:nvPr/>
-        </p:nvPicPr>
-        <p:blipFill>
-          <a:blip r:embed="rId2"/>
-          <a:stretch>
-            <a:fillRect/>
-          </a:stretch>
-        </p:blipFill>
-        <p:spPr>
-          <a:xfrm>
-            <a:off x="868045" y="2932961"/>
-            <a:ext cx="9217890" cy="1164236"/>
-          </a:xfrm>
-          <a:prstGeom prst="rect">
-            <a:avLst/>
-          </a:prstGeom>
-        </p:spPr>
-      </p:pic>
-      <p:pic>
-        <p:nvPicPr>
-          <p:cNvPr id="5" name="Picture 37"/>
-          <p:cNvPicPr/>
-          <p:nvPr/>
-        </p:nvPicPr>
-        <p:blipFill>
-          <a:blip r:embed="rId3"/>
-          <a:stretch>
-            <a:fillRect/>
-          </a:stretch>
-        </p:blipFill>
-        <p:spPr>
-          <a:xfrm>
-            <a:off x="868045" y="4385591"/>
-            <a:ext cx="9257670" cy="859509"/>
-          </a:xfrm>
-          <a:prstGeom prst="rect">
-            <a:avLst/>
-          </a:prstGeom>
-        </p:spPr>
-      </p:pic>
-    </p:spTree>
-    <p:extLst>
-      <p:ext uri="{BB962C8B-B14F-4D97-AF65-F5344CB8AC3E}">
-        <p14:creationId xmlns:p14="http://schemas.microsoft.com/office/powerpoint/2010/main" val="3411822062"/>
-      </p:ext>
-    </p:extLst>
-  </p:cSld>
-  <p:clrMapOvr>
-    <a:masterClrMapping/>
-  </p:clrMapOvr>
-</p:sld>
-</file>
-
-<file path=ppt/slides/slide24.xml><?xml version="1.0" encoding="utf-8"?>
-<p:sld xmlns:a="http://schemas.openxmlformats.org/drawingml/2006/main" xmlns:r="http://schemas.openxmlformats.org/officeDocument/2006/relationships" xmlns:p="http://schemas.openxmlformats.org/presentationml/2006/main">
-  <p:cSld>
-    <p:spTree>
-      <p:nvGrpSpPr>
-        <p:cNvPr id="1" name=""/>
-        <p:cNvGrpSpPr/>
-        <p:nvPr/>
-      </p:nvGrpSpPr>
-      <p:grpSpPr>
-        <a:xfrm>
-          <a:off x="0" y="0"/>
-          <a:ext cx="0" cy="0"/>
-          <a:chOff x="0" y="0"/>
-          <a:chExt cx="0" cy="0"/>
-        </a:xfrm>
-      </p:grpSpPr>
-      <p:sp>
-        <p:nvSpPr>
-          <p:cNvPr id="2" name="ชื่อเรื่อง 1"/>
-          <p:cNvSpPr>
-            <a:spLocks noGrp="1"/>
-          </p:cNvSpPr>
-          <p:nvPr>
-            <p:ph type="title"/>
-          </p:nvPr>
-        </p:nvSpPr>
-        <p:spPr/>
-        <p:txBody>
-          <a:bodyPr>
-            <a:normAutofit/>
-          </a:bodyPr>
-          <a:lstStyle/>
-          <a:p>
-            <a:r>
-              <a:rPr lang="en-US" dirty="0" smtClean="0"/>
-              <a:t>edit </a:t>
-            </a:r>
-            <a:r>
-              <a:rPr lang="en-US" dirty="0" err="1"/>
-              <a:t>powerpoint</a:t>
-            </a:r>
-            <a:r>
-              <a:rPr lang="en-US" dirty="0"/>
-              <a:t> and save as presentation.ppt</a:t>
-            </a:r>
-            <a:endParaRPr lang="th-TH" dirty="0"/>
-          </a:p>
-        </p:txBody>
-      </p:sp>
-      <p:pic>
-        <p:nvPicPr>
-          <p:cNvPr id="4" name="ตัวแทนเนื้อหา 3"/>
-          <p:cNvPicPr>
-            <a:picLocks noGrp="1" noChangeAspect="1"/>
-          </p:cNvPicPr>
-          <p:nvPr>
-            <p:ph idx="1"/>
-          </p:nvPr>
-        </p:nvPicPr>
-        <p:blipFill>
-          <a:blip r:embed="rId2"/>
-          <a:stretch>
-            <a:fillRect/>
-          </a:stretch>
-        </p:blipFill>
-        <p:spPr>
-          <a:xfrm>
-            <a:off x="439021" y="2273300"/>
-            <a:ext cx="7071063" cy="4114800"/>
-          </a:xfrm>
-          <a:prstGeom prst="rect">
-            <a:avLst/>
-          </a:prstGeom>
-        </p:spPr>
-      </p:pic>
-      <p:sp>
-        <p:nvSpPr>
-          <p:cNvPr id="5" name="สี่เหลี่ยมผืนผ้า 4"/>
-          <p:cNvSpPr/>
-          <p:nvPr/>
-        </p:nvSpPr>
-        <p:spPr>
-          <a:xfrm>
-            <a:off x="7759700" y="2991872"/>
-            <a:ext cx="4267200" cy="2677656"/>
-          </a:xfrm>
-          <a:prstGeom prst="rect">
-            <a:avLst/>
-          </a:prstGeom>
-        </p:spPr>
-        <p:txBody>
-          <a:bodyPr wrap="square">
-            <a:spAutoFit/>
-          </a:bodyPr>
-          <a:lstStyle/>
-          <a:p>
-            <a:r>
-              <a:rPr lang="en-US" dirty="0" err="1" smtClean="0">
-                <a:solidFill>
-                  <a:schemeClr val="bg1"/>
-                </a:solidFill>
-              </a:rPr>
-              <a:t>git</a:t>
-            </a:r>
-            <a:r>
-              <a:rPr lang="en-US" dirty="0" smtClean="0">
-                <a:solidFill>
-                  <a:schemeClr val="bg1"/>
-                </a:solidFill>
-              </a:rPr>
-              <a:t> add –A</a:t>
-            </a:r>
-          </a:p>
-          <a:p>
-            <a:r>
-              <a:rPr lang="en-US" dirty="0" err="1" smtClean="0">
-                <a:solidFill>
-                  <a:schemeClr val="bg1"/>
-                </a:solidFill>
-              </a:rPr>
-              <a:t>git</a:t>
-            </a:r>
-            <a:r>
-              <a:rPr lang="en-US" dirty="0" smtClean="0">
-                <a:solidFill>
-                  <a:schemeClr val="bg1"/>
-                </a:solidFill>
-              </a:rPr>
-              <a:t> commit -m "Finish presentation"</a:t>
-            </a:r>
-          </a:p>
-          <a:p>
-            <a:pPr lvl="0"/>
-            <a:r>
-              <a:rPr lang="en-US" dirty="0" err="1" smtClean="0">
-                <a:solidFill>
-                  <a:schemeClr val="bg1"/>
-                </a:solidFill>
-              </a:rPr>
-              <a:t>git</a:t>
-            </a:r>
-            <a:r>
-              <a:rPr lang="en-US" dirty="0" smtClean="0">
-                <a:solidFill>
-                  <a:schemeClr val="bg1"/>
-                </a:solidFill>
-              </a:rPr>
-              <a:t> checkout master</a:t>
-            </a:r>
-          </a:p>
-          <a:p>
-            <a:pPr lvl="0"/>
-            <a:r>
-              <a:rPr lang="en-US" dirty="0" err="1" smtClean="0">
-                <a:solidFill>
-                  <a:schemeClr val="bg1"/>
-                </a:solidFill>
-              </a:rPr>
-              <a:t>git</a:t>
-            </a:r>
-            <a:r>
-              <a:rPr lang="en-US" dirty="0" smtClean="0">
-                <a:solidFill>
-                  <a:schemeClr val="bg1"/>
-                </a:solidFill>
-              </a:rPr>
-              <a:t> merge presentation</a:t>
-            </a:r>
-          </a:p>
-          <a:p>
-            <a:pPr lvl="0"/>
-            <a:r>
-              <a:rPr lang="en-US" dirty="0" err="1" smtClean="0">
-                <a:solidFill>
-                  <a:schemeClr val="bg1"/>
-                </a:solidFill>
-              </a:rPr>
-              <a:t>git</a:t>
-            </a:r>
-            <a:r>
-              <a:rPr lang="en-US" dirty="0" smtClean="0">
-                <a:solidFill>
-                  <a:schemeClr val="bg1"/>
-                </a:solidFill>
-              </a:rPr>
-              <a:t> push</a:t>
-            </a:r>
-            <a:endParaRPr lang="en-US" dirty="0">
-              <a:solidFill>
-                <a:schemeClr val="bg1"/>
-              </a:solidFill>
-            </a:endParaRPr>
-          </a:p>
-        </p:txBody>
-      </p:sp>
-    </p:spTree>
-    <p:extLst>
-      <p:ext uri="{BB962C8B-B14F-4D97-AF65-F5344CB8AC3E}">
-        <p14:creationId xmlns:p14="http://schemas.microsoft.com/office/powerpoint/2010/main" val="2328664298"/>
       </p:ext>
     </p:extLst>
   </p:cSld>
